--- a/labs/WSAA2.4 JSON slides_ed.pptx
+++ b/labs/WSAA2.4 JSON slides_ed.pptx
@@ -302,7 +302,7 @@
             <a:pPr algn="r">
               <a:buNone/>
             </a:pPr>
-            <a:fld id="{57F2EBF9-6D01-439A-AA4C-2A3436C8DC8E}" type="slidenum">
+            <a:fld id="{C0D02B50-017D-4228-92BB-0805E9633DCA}" type="slidenum">
               <a:rPr b="0" lang="en-IE" sz="1400" spc="-1" strike="noStrike">
                 <a:latin typeface="Times New Roman"/>
               </a:rPr>
@@ -350,7 +350,7 @@
         <p:spPr>
           <a:xfrm>
             <a:off x="216000" y="812520"/>
-            <a:ext cx="7127280" cy="4008960"/>
+            <a:ext cx="7126920" cy="4008600"/>
           </a:xfrm>
           <a:prstGeom prst="rect">
             <a:avLst/>
@@ -373,7 +373,7 @@
         <p:spPr>
           <a:xfrm>
             <a:off x="756000" y="5078520"/>
-            <a:ext cx="6047640" cy="4811040"/>
+            <a:ext cx="6047280" cy="4810680"/>
           </a:xfrm>
           <a:prstGeom prst="rect">
             <a:avLst/>
@@ -388,11 +388,69 @@
             <a:noAutofit/>
           </a:bodyPr>
           <a:p>
+            <a:pPr marL="216000" indent="-216000">
+              <a:lnSpc>
+                <a:spcPct val="100000"/>
+              </a:lnSpc>
+              <a:buNone/>
+            </a:pPr>
             <a:r>
               <a:rPr b="0" lang="en-IE" sz="2000" spc="-1" strike="noStrike">
                 <a:latin typeface="Arial"/>
               </a:rPr>
-              <a:t>This is the other format which web services serve data across the cloud. It's a lot easier than XML in Python. Python is a lot more built-in functional functionality for JSON and none of this child node malarkey and all the rest. And actually, for the rest of this module, most of the websites we're going to be dealing with will be giving data in JSON.</a:t>
+              <a:t>This is the other format which web services serve data across the cloud. It's a lot </a:t>
+            </a:r>
+            <a:r>
+              <a:rPr b="0" lang="en-IE" sz="2000" spc="-1" strike="noStrike">
+                <a:latin typeface="Arial"/>
+              </a:rPr>
+              <a:t>easier than XML in Python. Python is a lot more built-in functional functionality for </a:t>
+            </a:r>
+            <a:r>
+              <a:rPr b="0" lang="en-IE" sz="2000" spc="-1" strike="noStrike">
+                <a:latin typeface="Arial"/>
+              </a:rPr>
+              <a:t>JSON and none of this child node malarkey and all the rest. And actually, for the rest </a:t>
+            </a:r>
+            <a:r>
+              <a:rPr b="0" lang="en-IE" sz="2000" spc="-1" strike="noStrike">
+                <a:latin typeface="Arial"/>
+              </a:rPr>
+              <a:t>of this module, most of the websites we're going to be dealing with will be giving </a:t>
+            </a:r>
+            <a:r>
+              <a:rPr b="0" lang="en-IE" sz="2000" spc="-1" strike="noStrike">
+                <a:latin typeface="Arial"/>
+              </a:rPr>
+              <a:t>data in JSON.</a:t>
+            </a:r>
+            <a:endParaRPr b="0" lang="en-IE" sz="2000" spc="-1" strike="noStrike">
+              <a:latin typeface="Arial"/>
+            </a:endParaRPr>
+          </a:p>
+          <a:p>
+            <a:pPr marL="216000" indent="-216000">
+              <a:lnSpc>
+                <a:spcPct val="100000"/>
+              </a:lnSpc>
+              <a:buNone/>
+            </a:pPr>
+            <a:endParaRPr b="0" lang="en-IE" sz="2000" spc="-1" strike="noStrike">
+              <a:latin typeface="Arial"/>
+            </a:endParaRPr>
+          </a:p>
+          <a:p>
+            <a:pPr marL="216000" indent="-216000">
+              <a:lnSpc>
+                <a:spcPct val="100000"/>
+              </a:lnSpc>
+              <a:buNone/>
+            </a:pPr>
+            <a:r>
+              <a:rPr b="0" lang="en-IE" sz="2000" spc="-1" strike="noStrike">
+                <a:latin typeface="Arial"/>
+              </a:rPr>
+              <a:t>Reading JSON</a:t>
             </a:r>
             <a:endParaRPr b="0" lang="en-IE" sz="2000" spc="-1" strike="noStrike">
               <a:latin typeface="Arial"/>
@@ -435,7 +493,7 @@
         <p:spPr>
           <a:xfrm>
             <a:off x="216000" y="812520"/>
-            <a:ext cx="7127280" cy="4008960"/>
+            <a:ext cx="7126920" cy="4008600"/>
           </a:xfrm>
           <a:prstGeom prst="rect">
             <a:avLst/>
@@ -458,7 +516,7 @@
         <p:spPr>
           <a:xfrm>
             <a:off x="756000" y="5078520"/>
-            <a:ext cx="6047640" cy="4811040"/>
+            <a:ext cx="6047280" cy="4810680"/>
           </a:xfrm>
           <a:prstGeom prst="rect">
             <a:avLst/>
@@ -473,6 +531,12 @@
             <a:noAutofit/>
           </a:bodyPr>
           <a:p>
+            <a:pPr marL="216000" indent="-216000">
+              <a:lnSpc>
+                <a:spcPct val="100000"/>
+              </a:lnSpc>
+              <a:buNone/>
+            </a:pPr>
             <a:r>
               <a:rPr b="0" lang="en-IE" sz="2000" spc="-1" strike="noStrike">
                 <a:latin typeface="Arial"/>
@@ -520,7 +584,7 @@
         <p:spPr>
           <a:xfrm>
             <a:off x="216000" y="812520"/>
-            <a:ext cx="7127280" cy="4008960"/>
+            <a:ext cx="7126920" cy="4008600"/>
           </a:xfrm>
           <a:prstGeom prst="rect">
             <a:avLst/>
@@ -543,7 +607,7 @@
         <p:spPr>
           <a:xfrm>
             <a:off x="756000" y="5078520"/>
-            <a:ext cx="6047640" cy="4816800"/>
+            <a:ext cx="6047280" cy="4816440"/>
           </a:xfrm>
           <a:prstGeom prst="rect">
             <a:avLst/>
@@ -558,6 +622,12 @@
             <a:noAutofit/>
           </a:bodyPr>
           <a:p>
+            <a:pPr marL="216000" indent="-216000">
+              <a:lnSpc>
+                <a:spcPct val="100000"/>
+              </a:lnSpc>
+              <a:buNone/>
+            </a:pPr>
             <a:r>
               <a:rPr b="0" lang="en-IE" sz="2000" spc="-1" strike="noStrike">
                 <a:latin typeface="Arial"/>
@@ -569,6 +639,12 @@
             </a:endParaRPr>
           </a:p>
           <a:p>
+            <a:pPr marL="216000" indent="-216000">
+              <a:lnSpc>
+                <a:spcPct val="100000"/>
+              </a:lnSpc>
+              <a:buNone/>
+            </a:pPr>
             <a:r>
               <a:rPr b="0" lang="en-IE" sz="2000" spc="-1" strike="noStrike">
                 <a:latin typeface="Arial"/>
@@ -616,7 +692,7 @@
         <p:spPr>
           <a:xfrm>
             <a:off x="216000" y="812520"/>
-            <a:ext cx="7127280" cy="4008960"/>
+            <a:ext cx="7126920" cy="4008600"/>
           </a:xfrm>
           <a:prstGeom prst="rect">
             <a:avLst/>
@@ -639,7 +715,7 @@
         <p:spPr>
           <a:xfrm>
             <a:off x="756000" y="5078520"/>
-            <a:ext cx="6047640" cy="4811040"/>
+            <a:ext cx="6047280" cy="4810680"/>
           </a:xfrm>
           <a:prstGeom prst="rect">
             <a:avLst/>
@@ -654,6 +730,12 @@
             <a:noAutofit/>
           </a:bodyPr>
           <a:p>
+            <a:pPr marL="216000" indent="-216000">
+              <a:lnSpc>
+                <a:spcPct val="100000"/>
+              </a:lnSpc>
+              <a:buNone/>
+            </a:pPr>
             <a:r>
               <a:rPr b="0" lang="en-IE" sz="2000" spc="-1" strike="noStrike">
                 <a:latin typeface="Arial"/>
@@ -671,11 +753,23 @@
             </a:endParaRPr>
           </a:p>
           <a:p>
+            <a:pPr marL="216000" indent="-216000">
+              <a:lnSpc>
+                <a:spcPct val="100000"/>
+              </a:lnSpc>
+              <a:buNone/>
+            </a:pPr>
             <a:endParaRPr b="0" lang="en-IE" sz="2000" spc="-1" strike="noStrike">
               <a:latin typeface="Arial"/>
             </a:endParaRPr>
           </a:p>
           <a:p>
+            <a:pPr marL="216000" indent="-216000">
+              <a:lnSpc>
+                <a:spcPct val="100000"/>
+              </a:lnSpc>
+              <a:buNone/>
+            </a:pPr>
             <a:r>
               <a:rPr b="0" lang="en-IE" sz="2000" spc="-1" strike="noStrike">
                 <a:latin typeface="Arial"/>
@@ -723,7 +817,7 @@
         <p:spPr>
           <a:xfrm>
             <a:off x="216000" y="812520"/>
-            <a:ext cx="7127280" cy="4008960"/>
+            <a:ext cx="7126920" cy="4008600"/>
           </a:xfrm>
           <a:prstGeom prst="rect">
             <a:avLst/>
@@ -746,7 +840,7 @@
         <p:spPr>
           <a:xfrm>
             <a:off x="756000" y="5078520"/>
-            <a:ext cx="6047640" cy="4811040"/>
+            <a:ext cx="6047280" cy="4810680"/>
           </a:xfrm>
           <a:prstGeom prst="rect">
             <a:avLst/>
@@ -761,6 +855,12 @@
             <a:noAutofit/>
           </a:bodyPr>
           <a:p>
+            <a:pPr marL="216000" indent="-216000">
+              <a:lnSpc>
+                <a:spcPct val="100000"/>
+              </a:lnSpc>
+              <a:buNone/>
+            </a:pPr>
             <a:r>
               <a:rPr b="0" lang="en-IE" sz="2000" spc="-1" strike="noStrike">
                 <a:latin typeface="Arial"/>
@@ -778,11 +878,23 @@
             </a:endParaRPr>
           </a:p>
           <a:p>
+            <a:pPr marL="216000" indent="-216000">
+              <a:lnSpc>
+                <a:spcPct val="100000"/>
+              </a:lnSpc>
+              <a:buNone/>
+            </a:pPr>
             <a:endParaRPr b="0" lang="en-IE" sz="2000" spc="-1" strike="noStrike">
               <a:latin typeface="Arial"/>
             </a:endParaRPr>
           </a:p>
           <a:p>
+            <a:pPr marL="216000" indent="-216000">
+              <a:lnSpc>
+                <a:spcPct val="100000"/>
+              </a:lnSpc>
+              <a:buNone/>
+            </a:pPr>
             <a:r>
               <a:rPr b="0" lang="en-IE" sz="2000" spc="-1" strike="noStrike">
                 <a:latin typeface="Arial"/>
@@ -830,7 +942,7 @@
         <p:spPr>
           <a:xfrm>
             <a:off x="216000" y="812520"/>
-            <a:ext cx="7127280" cy="4008960"/>
+            <a:ext cx="7126920" cy="4008600"/>
           </a:xfrm>
           <a:prstGeom prst="rect">
             <a:avLst/>
@@ -853,7 +965,7 @@
         <p:spPr>
           <a:xfrm>
             <a:off x="756000" y="5078520"/>
-            <a:ext cx="6047640" cy="4811040"/>
+            <a:ext cx="6047280" cy="4810680"/>
           </a:xfrm>
           <a:prstGeom prst="rect">
             <a:avLst/>
@@ -868,6 +980,12 @@
             <a:noAutofit/>
           </a:bodyPr>
           <a:p>
+            <a:pPr marL="216000" indent="-216000">
+              <a:lnSpc>
+                <a:spcPct val="100000"/>
+              </a:lnSpc>
+              <a:buNone/>
+            </a:pPr>
             <a:r>
               <a:rPr b="0" lang="en-IE" sz="2000" spc="-1" strike="noStrike">
                 <a:latin typeface="Arial"/>
@@ -879,6 +997,12 @@
             </a:endParaRPr>
           </a:p>
           <a:p>
+            <a:pPr marL="216000" indent="-216000">
+              <a:lnSpc>
+                <a:spcPct val="100000"/>
+              </a:lnSpc>
+              <a:buNone/>
+            </a:pPr>
             <a:r>
               <a:rPr b="0" lang="en-IE" sz="2000" spc="-1" strike="noStrike">
                 <a:latin typeface="Arial"/>
@@ -926,7 +1050,7 @@
         <p:spPr>
           <a:xfrm>
             <a:off x="216000" y="812520"/>
-            <a:ext cx="7127280" cy="4008960"/>
+            <a:ext cx="7126920" cy="4008600"/>
           </a:xfrm>
           <a:prstGeom prst="rect">
             <a:avLst/>
@@ -949,7 +1073,7 @@
         <p:spPr>
           <a:xfrm>
             <a:off x="756000" y="5078520"/>
-            <a:ext cx="6047640" cy="4811040"/>
+            <a:ext cx="6047280" cy="4810680"/>
           </a:xfrm>
           <a:prstGeom prst="rect">
             <a:avLst/>
@@ -964,6 +1088,12 @@
             <a:noAutofit/>
           </a:bodyPr>
           <a:p>
+            <a:pPr marL="216000" indent="-216000">
+              <a:lnSpc>
+                <a:spcPct val="100000"/>
+              </a:lnSpc>
+              <a:buNone/>
+            </a:pPr>
             <a:r>
               <a:rPr b="0" lang="en-IE" sz="2000" spc="-1" strike="noStrike">
                 <a:latin typeface="Arial"/>
@@ -1011,7 +1141,7 @@
         <p:spPr>
           <a:xfrm>
             <a:off x="216000" y="812520"/>
-            <a:ext cx="7127280" cy="4008960"/>
+            <a:ext cx="7126920" cy="4008600"/>
           </a:xfrm>
           <a:prstGeom prst="rect">
             <a:avLst/>
@@ -1034,7 +1164,7 @@
         <p:spPr>
           <a:xfrm>
             <a:off x="756000" y="5078520"/>
-            <a:ext cx="6047640" cy="4811040"/>
+            <a:ext cx="6047280" cy="4810680"/>
           </a:xfrm>
           <a:prstGeom prst="rect">
             <a:avLst/>
@@ -1049,6 +1179,12 @@
             <a:noAutofit/>
           </a:bodyPr>
           <a:p>
+            <a:pPr marL="216000" indent="-216000">
+              <a:lnSpc>
+                <a:spcPct val="100000"/>
+              </a:lnSpc>
+              <a:buNone/>
+            </a:pPr>
             <a:r>
               <a:rPr b="0" lang="en-IE" sz="2000" spc="-1" strike="noStrike">
                 <a:latin typeface="Arial"/>
@@ -1096,7 +1232,7 @@
         <p:spPr>
           <a:xfrm>
             <a:off x="216000" y="812520"/>
-            <a:ext cx="7127280" cy="4008960"/>
+            <a:ext cx="7126920" cy="4008600"/>
           </a:xfrm>
           <a:prstGeom prst="rect">
             <a:avLst/>
@@ -1119,7 +1255,7 @@
         <p:spPr>
           <a:xfrm>
             <a:off x="756000" y="5078520"/>
-            <a:ext cx="6047640" cy="4811040"/>
+            <a:ext cx="6047280" cy="4810680"/>
           </a:xfrm>
           <a:prstGeom prst="rect">
             <a:avLst/>
@@ -1134,120 +1270,108 @@
             <a:noAutofit/>
           </a:bodyPr>
           <a:p>
+            <a:pPr marL="216000" indent="-216000">
+              <a:lnSpc>
+                <a:spcPct val="100000"/>
+              </a:lnSpc>
+              <a:buNone/>
+            </a:pPr>
             <a:r>
               <a:rPr b="0" lang="en-IE" sz="1300" spc="-1" strike="noStrike">
                 <a:latin typeface="Arial"/>
               </a:rPr>
-              <a:t>you can get JSON from the cloud from the web. Here is an example of some JSON </a:t>
-            </a:r>
+              <a:t>you can get JSON from the cloud from the web. Here is an example of some JSON that's from Coin Desk. So the current Bitcoin price.So if you go to https://apicoindesk.com/Vone/vpi current price JSON, you will retrieve back this string which is a JSON object. Now the JSON object has four attributes, time, disclaimer, chart name and BPI.The BPI object has two attributes, USD and euro,The USD object has five attributes, code, symbol, rate and description and rate as a float and the Euro one also has five attributes, code, symbol, rate, description and rates the float. So what I'm going to do is write the piece of code now that will basically let's get out the current rate of Bitcoin in euros.</a:t>
+            </a:r>
+            <a:endParaRPr b="0" lang="en-IE" sz="1300" spc="-1" strike="noStrike">
+              <a:latin typeface="Arial"/>
+            </a:endParaRPr>
+          </a:p>
+          <a:p>
+            <a:pPr marL="216000" indent="-216000">
+              <a:lnSpc>
+                <a:spcPct val="100000"/>
+              </a:lnSpc>
+              <a:buNone/>
+            </a:pPr>
+            <a:endParaRPr b="0" lang="en-IE" sz="1300" spc="-1" strike="noStrike">
+              <a:latin typeface="Arial"/>
+            </a:endParaRPr>
+          </a:p>
+          <a:p>
+            <a:pPr marL="216000" indent="-216000">
+              <a:lnSpc>
+                <a:spcPct val="100000"/>
+              </a:lnSpc>
+              <a:buNone/>
+            </a:pPr>
             <a:r>
               <a:rPr b="0" lang="en-IE" sz="1300" spc="-1" strike="noStrike">
                 <a:latin typeface="Arial"/>
               </a:rPr>
-              <a:t>that's from Coin Desk. So the current Bitcoin price.So if you go to </a:t>
-            </a:r>
+              <a:t>python myreadjson.py</a:t>
+            </a:r>
+            <a:endParaRPr b="0" lang="en-IE" sz="1300" spc="-1" strike="noStrike">
+              <a:latin typeface="Arial"/>
+            </a:endParaRPr>
+          </a:p>
+          <a:p>
+            <a:pPr marL="216000" indent="-216000">
+              <a:lnSpc>
+                <a:spcPct val="100000"/>
+              </a:lnSpc>
+              <a:buNone/>
+            </a:pPr>
             <a:r>
               <a:rPr b="0" lang="en-IE" sz="1300" spc="-1" strike="noStrike">
                 <a:latin typeface="Arial"/>
               </a:rPr>
-              <a:t>https://apicoindesk.com/Vone/vpi current price JSON, you will retrieve back this </a:t>
-            </a:r>
+              <a:t>{'employees': [{'firstName': 'John', 'lastName': 'Doe'}, {'firstName': 'Anna', 'lastName': 'Smith'}, {'firstName': 'Peter', 'lastName': 'Jones'}]}</a:t>
+            </a:r>
+            <a:endParaRPr b="0" lang="en-IE" sz="1300" spc="-1" strike="noStrike">
+              <a:latin typeface="Arial"/>
+            </a:endParaRPr>
+          </a:p>
+          <a:p>
+            <a:pPr marL="216000" indent="-216000">
+              <a:lnSpc>
+                <a:spcPct val="100000"/>
+              </a:lnSpc>
+              <a:buNone/>
+            </a:pPr>
             <a:r>
               <a:rPr b="0" lang="en-IE" sz="1300" spc="-1" strike="noStrike">
                 <a:latin typeface="Arial"/>
               </a:rPr>
-              <a:t>string which is a JSON object. Now the JSON object has four attributes, time, </a:t>
-            </a:r>
+              <a:t>John</a:t>
+            </a:r>
+            <a:endParaRPr b="0" lang="en-IE" sz="1300" spc="-1" strike="noStrike">
+              <a:latin typeface="Arial"/>
+            </a:endParaRPr>
+          </a:p>
+          <a:p>
+            <a:pPr marL="216000" indent="-216000">
+              <a:lnSpc>
+                <a:spcPct val="100000"/>
+              </a:lnSpc>
+              <a:buNone/>
+            </a:pPr>
             <a:r>
               <a:rPr b="0" lang="en-IE" sz="1300" spc="-1" strike="noStrike">
                 <a:latin typeface="Arial"/>
               </a:rPr>
-              <a:t>disclaimer, chart name and BPI.The BPI object has two attributes, USD and </a:t>
-            </a:r>
-            <a:r>
-              <a:rPr b="0" lang="en-IE" sz="1300" spc="-1" strike="noStrike">
-                <a:latin typeface="Arial"/>
-              </a:rPr>
-              <a:t>euro,The USD object has five attributes, code, symbol, rate and description and </a:t>
-            </a:r>
-            <a:r>
-              <a:rPr b="0" lang="en-IE" sz="1300" spc="-1" strike="noStrike">
-                <a:latin typeface="Arial"/>
-              </a:rPr>
-              <a:t>rate as a float and the Euro one also has five attributes, code, symbol, rate, </a:t>
-            </a:r>
-            <a:r>
-              <a:rPr b="0" lang="en-IE" sz="1300" spc="-1" strike="noStrike">
-                <a:latin typeface="Arial"/>
-              </a:rPr>
-              <a:t>description and rates the float. So what I'm going to do is write the piece of code </a:t>
-            </a:r>
-            <a:r>
-              <a:rPr b="0" lang="en-IE" sz="1300" spc="-1" strike="noStrike">
-                <a:latin typeface="Arial"/>
-              </a:rPr>
-              <a:t>now that will basically let's get out the current rate of Bitcoin in euros.</a:t>
+              <a:t>Anna</a:t>
             </a:r>
             <a:endParaRPr b="0" lang="en-IE" sz="1300" spc="-1" strike="noStrike">
               <a:latin typeface="Arial"/>
             </a:endParaRPr>
           </a:p>
           <a:p>
-            <a:endParaRPr b="0" lang="en-IE" sz="1300" spc="-1" strike="noStrike">
-              <a:latin typeface="Arial"/>
-            </a:endParaRPr>
-          </a:p>
-          <a:p>
-            <a:r>
-              <a:rPr b="0" lang="en-IE" sz="1300" spc="-1" strike="noStrike">
-                <a:latin typeface="Arial"/>
-              </a:rPr>
-              <a:t>python myreadjson.py</a:t>
-            </a:r>
-            <a:endParaRPr b="0" lang="en-IE" sz="1300" spc="-1" strike="noStrike">
-              <a:latin typeface="Arial"/>
-            </a:endParaRPr>
-          </a:p>
-          <a:p>
-            <a:r>
-              <a:rPr b="0" lang="en-IE" sz="1300" spc="-1" strike="noStrike">
-                <a:latin typeface="Arial"/>
-              </a:rPr>
-              <a:t>{'employees': [{'firstName': 'John', 'lastName': 'Doe'}, {'firstName': 'Anna', 'lastName': </a:t>
-            </a:r>
-            <a:r>
-              <a:rPr b="0" lang="en-IE" sz="1300" spc="-1" strike="noStrike">
-                <a:latin typeface="Arial"/>
-              </a:rPr>
-              <a:t>'Smith'}, {'firstName': 'Peter', 'lastName': 'Jones'}]}</a:t>
-            </a:r>
-            <a:endParaRPr b="0" lang="en-IE" sz="1300" spc="-1" strike="noStrike">
-              <a:latin typeface="Arial"/>
-            </a:endParaRPr>
-          </a:p>
-          <a:p>
-            <a:r>
-              <a:rPr b="0" lang="en-IE" sz="1300" spc="-1" strike="noStrike">
-                <a:latin typeface="Arial"/>
-              </a:rPr>
-              <a:t>John</a:t>
-            </a:r>
-            <a:endParaRPr b="0" lang="en-IE" sz="1300" spc="-1" strike="noStrike">
-              <a:latin typeface="Arial"/>
-            </a:endParaRPr>
-          </a:p>
-          <a:p>
-            <a:r>
-              <a:rPr b="0" lang="en-IE" sz="1300" spc="-1" strike="noStrike">
-                <a:latin typeface="Arial"/>
-              </a:rPr>
-              <a:t>Anna</a:t>
-            </a:r>
-            <a:endParaRPr b="0" lang="en-IE" sz="1300" spc="-1" strike="noStrike">
-              <a:latin typeface="Arial"/>
-            </a:endParaRPr>
-          </a:p>
-          <a:p>
+            <a:pPr marL="216000" indent="-216000">
+              <a:lnSpc>
+                <a:spcPct val="100000"/>
+              </a:lnSpc>
+              <a:buNone/>
+            </a:pPr>
             <a:r>
               <a:rPr b="0" lang="en-IE" sz="1300" spc="-1" strike="noStrike">
                 <a:latin typeface="Arial"/>
@@ -1316,7 +1440,7 @@
         <p:txBody>
           <a:bodyPr/>
           <a:p>
-            <a:fld id="{55177D97-9FFC-4EDD-A7F0-0926EA72425E}" type="slidenum">
+            <a:fld id="{FF0ADE71-AD6E-491E-83B5-6EC3944C6399}" type="slidenum">
               <a:t>&lt;#&gt;</a:t>
             </a:fld>
           </a:p>
@@ -1504,7 +1628,7 @@
         <p:txBody>
           <a:bodyPr/>
           <a:p>
-            <a:fld id="{0B583E3E-DD2B-4C9D-BE54-909C7AF94978}" type="slidenum">
+            <a:fld id="{38A08ECB-8BCB-46DB-BBA6-16785B946F1B}" type="slidenum">
               <a:t>&lt;#&gt;</a:t>
             </a:fld>
           </a:p>
@@ -1760,7 +1884,7 @@
         <p:txBody>
           <a:bodyPr/>
           <a:p>
-            <a:fld id="{4168C3C6-D594-4177-AF89-8BAD8A775024}" type="slidenum">
+            <a:fld id="{528D6949-3B01-42D2-A70B-D8989214BDC9}" type="slidenum">
               <a:t>&lt;#&gt;</a:t>
             </a:fld>
           </a:p>
@@ -2084,7 +2208,7 @@
         <p:txBody>
           <a:bodyPr/>
           <a:p>
-            <a:fld id="{B4579D80-AB7A-4B61-B20C-726F22E2FAF2}" type="slidenum">
+            <a:fld id="{349F487A-8017-420E-B8DA-EA233C64834C}" type="slidenum">
               <a:t>&lt;#&gt;</a:t>
             </a:fld>
           </a:p>
@@ -2167,7 +2291,7 @@
         <p:txBody>
           <a:bodyPr/>
           <a:p>
-            <a:fld id="{EBCBAB31-8CD6-4948-AA91-FDAB452BF0C7}" type="slidenum">
+            <a:fld id="{079CD457-CEE5-4F53-9352-CD8309BE74D6}" type="slidenum">
               <a:t>&lt;#&gt;</a:t>
             </a:fld>
           </a:p>
@@ -2324,7 +2448,7 @@
         <p:txBody>
           <a:bodyPr/>
           <a:p>
-            <a:fld id="{795AB788-F22B-4BC9-A6A4-97149A7A705A}" type="slidenum">
+            <a:fld id="{BC4AE065-6B12-4104-9476-B6A7B978FA40}" type="slidenum">
               <a:t>&lt;#&gt;</a:t>
             </a:fld>
           </a:p>
@@ -2478,7 +2602,7 @@
         <p:txBody>
           <a:bodyPr/>
           <a:p>
-            <a:fld id="{A6A0812F-799A-4617-A1AF-EEB8B71B8610}" type="slidenum">
+            <a:fld id="{6ABD1FA8-CD33-4277-9D91-900C2A086ABD}" type="slidenum">
               <a:t>&lt;#&gt;</a:t>
             </a:fld>
           </a:p>
@@ -2666,7 +2790,7 @@
         <p:txBody>
           <a:bodyPr/>
           <a:p>
-            <a:fld id="{DAADB595-644A-48FC-8B00-343EE63CB12D}" type="slidenum">
+            <a:fld id="{CB5A4633-6FC0-4AC5-B695-E1F0A60F368B}" type="slidenum">
               <a:t>&lt;#&gt;</a:t>
             </a:fld>
           </a:p>
@@ -2786,7 +2910,7 @@
         <p:txBody>
           <a:bodyPr/>
           <a:p>
-            <a:fld id="{58CDA1C5-A591-4A0B-9B11-51FCDB7C5277}" type="slidenum">
+            <a:fld id="{37250EA7-E03F-401A-B8CF-3B7C958A7938}" type="slidenum">
               <a:t>&lt;#&gt;</a:t>
             </a:fld>
           </a:p>
@@ -2906,7 +3030,7 @@
         <p:txBody>
           <a:bodyPr/>
           <a:p>
-            <a:fld id="{8CD73400-861E-498E-B26C-75D287EAB80E}" type="slidenum">
+            <a:fld id="{4FC86EFB-CCA3-4168-916A-8BA7292A6CEC}" type="slidenum">
               <a:t>&lt;#&gt;</a:t>
             </a:fld>
           </a:p>
@@ -3128,7 +3252,7 @@
         <p:txBody>
           <a:bodyPr/>
           <a:p>
-            <a:fld id="{C9C66ABB-DC7A-48E9-9CC7-A5B2418A8B8F}" type="slidenum">
+            <a:fld id="{A897BAC3-691D-4692-A953-1114A1B1B260}" type="slidenum">
               <a:t>&lt;#&gt;</a:t>
             </a:fld>
           </a:p>
@@ -3285,7 +3409,7 @@
         <p:txBody>
           <a:bodyPr/>
           <a:p>
-            <a:fld id="{165B41AB-4B05-49C5-9265-99ACFA3C600A}" type="slidenum">
+            <a:fld id="{B965B04A-309F-4E76-96CB-D26A679626B7}" type="slidenum">
               <a:t>&lt;#&gt;</a:t>
             </a:fld>
           </a:p>
@@ -3507,7 +3631,7 @@
         <p:txBody>
           <a:bodyPr/>
           <a:p>
-            <a:fld id="{06D8A866-4ADD-4890-BCB1-36060DEC5CFD}" type="slidenum">
+            <a:fld id="{73FFD68F-45A6-4755-9AA7-A238BEE44EB6}" type="slidenum">
               <a:t>&lt;#&gt;</a:t>
             </a:fld>
           </a:p>
@@ -3729,7 +3853,7 @@
         <p:txBody>
           <a:bodyPr/>
           <a:p>
-            <a:fld id="{5FB2C48C-F0D8-422E-8DB1-EA5E1B5A6246}" type="slidenum">
+            <a:fld id="{6D43F711-8636-42E1-8AF5-848BBE7F5FF4}" type="slidenum">
               <a:t>&lt;#&gt;</a:t>
             </a:fld>
           </a:p>
@@ -3917,7 +4041,7 @@
         <p:txBody>
           <a:bodyPr/>
           <a:p>
-            <a:fld id="{C4B31582-72D1-4752-B0DC-34D481880FED}" type="slidenum">
+            <a:fld id="{1312B331-F1CD-46A2-BC06-7D697C37792A}" type="slidenum">
               <a:t>&lt;#&gt;</a:t>
             </a:fld>
           </a:p>
@@ -4173,7 +4297,7 @@
         <p:txBody>
           <a:bodyPr/>
           <a:p>
-            <a:fld id="{FBB69E6C-72A1-4C6A-AD55-A7143F0F94C7}" type="slidenum">
+            <a:fld id="{084E87F5-D427-4008-80B0-559B95ADCEDA}" type="slidenum">
               <a:t>&lt;#&gt;</a:t>
             </a:fld>
           </a:p>
@@ -4497,7 +4621,7 @@
         <p:txBody>
           <a:bodyPr/>
           <a:p>
-            <a:fld id="{3D0AE985-E640-42D0-9490-F9FD4118EFB9}" type="slidenum">
+            <a:fld id="{C1C6D41B-E5EB-4BCC-845C-D87E7697C4B9}" type="slidenum">
               <a:t>&lt;#&gt;</a:t>
             </a:fld>
           </a:p>
@@ -4651,7 +4775,7 @@
         <p:txBody>
           <a:bodyPr/>
           <a:p>
-            <a:fld id="{AEA8E09A-7F6C-4631-A29B-3C265DC97B7F}" type="slidenum">
+            <a:fld id="{ED7ABDD5-6011-47E8-9644-C84CBBA65685}" type="slidenum">
               <a:t>&lt;#&gt;</a:t>
             </a:fld>
           </a:p>
@@ -4839,7 +4963,7 @@
         <p:txBody>
           <a:bodyPr/>
           <a:p>
-            <a:fld id="{16453A61-30F7-418C-A380-C4391FD2A09C}" type="slidenum">
+            <a:fld id="{3689D224-4305-4FE6-ACD6-61616B15B9DE}" type="slidenum">
               <a:t>&lt;#&gt;</a:t>
             </a:fld>
           </a:p>
@@ -4959,7 +5083,7 @@
         <p:txBody>
           <a:bodyPr/>
           <a:p>
-            <a:fld id="{3C48B6A4-50A4-4076-BE97-22ED20D37A22}" type="slidenum">
+            <a:fld id="{92078A06-560B-403B-BBEA-DE0935ADE058}" type="slidenum">
               <a:t>&lt;#&gt;</a:t>
             </a:fld>
           </a:p>
@@ -5079,7 +5203,7 @@
         <p:txBody>
           <a:bodyPr/>
           <a:p>
-            <a:fld id="{2F0BA192-491E-407E-876B-05B2F8624108}" type="slidenum">
+            <a:fld id="{5C961D90-87AF-4666-BE9E-C0AF3C8D5780}" type="slidenum">
               <a:t>&lt;#&gt;</a:t>
             </a:fld>
           </a:p>
@@ -5301,7 +5425,7 @@
         <p:txBody>
           <a:bodyPr/>
           <a:p>
-            <a:fld id="{0826E1A0-ACFA-4309-9C60-FAEC5D26C63D}" type="slidenum">
+            <a:fld id="{608C92CE-34A8-4545-8E62-5EA468DBC17C}" type="slidenum">
               <a:t>&lt;#&gt;</a:t>
             </a:fld>
           </a:p>
@@ -5523,7 +5647,7 @@
         <p:txBody>
           <a:bodyPr/>
           <a:p>
-            <a:fld id="{7EAF6C0E-B303-41F2-98D6-E0BFF0988036}" type="slidenum">
+            <a:fld id="{FB60F5E9-4733-4818-B3D5-35522D71FF0C}" type="slidenum">
               <a:t>&lt;#&gt;</a:t>
             </a:fld>
           </a:p>
@@ -5745,7 +5869,7 @@
         <p:txBody>
           <a:bodyPr/>
           <a:p>
-            <a:fld id="{A68DF097-9D78-4B23-9244-D7705642FF89}" type="slidenum">
+            <a:fld id="{ECFCB5CD-0BF8-40F7-BC65-F8B8FBFEDD0B}" type="slidenum">
               <a:t>&lt;#&gt;</a:t>
             </a:fld>
           </a:p>
@@ -5810,9 +5934,9 @@
         <p:grpSpPr>
           <a:xfrm>
             <a:off x="11401560" y="6229800"/>
-            <a:ext cx="456480" cy="456480"/>
+            <a:ext cx="456120" cy="456120"/>
             <a:chOff x="11401560" y="6229800"/>
-            <a:chExt cx="456480" cy="456480"/>
+            <a:chExt cx="456120" cy="456120"/>
           </a:xfrm>
         </p:grpSpPr>
         <p:sp>
@@ -5824,7 +5948,7 @@
           <p:spPr>
             <a:xfrm>
               <a:off x="11401560" y="6229800"/>
-              <a:ext cx="456480" cy="456480"/>
+              <a:ext cx="456120" cy="456120"/>
             </a:xfrm>
             <a:prstGeom prst="ellipse">
               <a:avLst/>
@@ -5854,7 +5978,7 @@
           <p:spPr>
             <a:xfrm>
               <a:off x="11431080" y="6258960"/>
-              <a:ext cx="398160" cy="398160"/>
+              <a:ext cx="397800" cy="397800"/>
             </a:xfrm>
             <a:prstGeom prst="ellipse">
               <a:avLst/>
@@ -5884,7 +6008,7 @@
         <p:spPr>
           <a:xfrm>
             <a:off x="920880" y="1347120"/>
-            <a:ext cx="10222200" cy="79920"/>
+            <a:ext cx="10221840" cy="79560"/>
           </a:xfrm>
           <a:prstGeom prst="rect">
             <a:avLst/>
@@ -5924,7 +6048,7 @@
         <p:spPr>
           <a:xfrm>
             <a:off x="920880" y="4299840"/>
-            <a:ext cx="10222200" cy="79920"/>
+            <a:ext cx="10221840" cy="79560"/>
           </a:xfrm>
           <a:prstGeom prst="rect">
             <a:avLst/>
@@ -5964,7 +6088,7 @@
         <p:spPr>
           <a:xfrm>
             <a:off x="920880" y="1484640"/>
-            <a:ext cx="10222200" cy="2742480"/>
+            <a:ext cx="10221840" cy="2742120"/>
           </a:xfrm>
           <a:prstGeom prst="rect">
             <a:avLst/>
@@ -6004,9 +6128,9 @@
         <p:grpSpPr>
           <a:xfrm>
             <a:off x="9649080" y="4069080"/>
-            <a:ext cx="1080360" cy="1080360"/>
+            <a:ext cx="1080000" cy="1080000"/>
             <a:chOff x="9649080" y="4069080"/>
-            <a:chExt cx="1080360" cy="1080360"/>
+            <a:chExt cx="1080000" cy="1080000"/>
           </a:xfrm>
         </p:grpSpPr>
         <p:sp>
@@ -6018,7 +6142,7 @@
           <p:spPr>
             <a:xfrm>
               <a:off x="9649080" y="4069080"/>
-              <a:ext cx="1080360" cy="1080360"/>
+              <a:ext cx="1080000" cy="1080000"/>
             </a:xfrm>
             <a:prstGeom prst="ellipse">
               <a:avLst/>
@@ -6048,7 +6172,7 @@
           <p:spPr>
             <a:xfrm>
               <a:off x="9757440" y="4177080"/>
-              <a:ext cx="864000" cy="864000"/>
+              <a:ext cx="863640" cy="863640"/>
             </a:xfrm>
             <a:prstGeom prst="ellipse">
               <a:avLst/>
@@ -6081,8 +6205,8 @@
         </p:nvSpPr>
         <p:spPr>
           <a:xfrm>
-            <a:off x="1069920" y="484560"/>
-            <a:ext cx="10057680" cy="1608480"/>
+            <a:off x="609480" y="273600"/>
+            <a:ext cx="10972080" cy="1144440"/>
           </a:xfrm>
           <a:prstGeom prst="rect">
             <a:avLst/>
@@ -6116,13 +6240,196 @@
             <a:spLocks noGrp="1"/>
           </p:cNvSpPr>
           <p:nvPr>
+            <p:ph type="body"/>
+          </p:nvPr>
+        </p:nvSpPr>
+        <p:spPr>
+          <a:xfrm>
+            <a:off x="609480" y="1604520"/>
+            <a:ext cx="10972080" cy="3976920"/>
+          </a:xfrm>
+          <a:prstGeom prst="rect">
+            <a:avLst/>
+          </a:prstGeom>
+          <a:noFill/>
+          <a:ln w="0">
+            <a:noFill/>
+          </a:ln>
+        </p:spPr>
+        <p:txBody>
+          <a:bodyPr lIns="0" rIns="0" tIns="0" bIns="0" anchor="t">
+            <a:normAutofit/>
+          </a:bodyPr>
+          <a:p>
+            <a:pPr marL="432000" indent="-324000">
+              <a:spcBef>
+                <a:spcPts val="1417"/>
+              </a:spcBef>
+              <a:buClr>
+                <a:srgbClr val="000000"/>
+              </a:buClr>
+              <a:buSzPct val="45000"/>
+              <a:buFont typeface="Wingdings" charset="2"/>
+              <a:buChar char=""/>
+            </a:pPr>
+            <a:r>
+              <a:rPr b="0" lang="en-IE" sz="1800" spc="-1" strike="noStrike">
+                <a:latin typeface="Arial"/>
+              </a:rPr>
+              <a:t>Click to edit the outline text format</a:t>
+            </a:r>
+            <a:endParaRPr b="0" lang="en-IE" sz="1800" spc="-1" strike="noStrike">
+              <a:latin typeface="Arial"/>
+            </a:endParaRPr>
+          </a:p>
+          <a:p>
+            <a:pPr lvl="1" marL="864000" indent="-324000">
+              <a:spcBef>
+                <a:spcPts val="1134"/>
+              </a:spcBef>
+              <a:buClr>
+                <a:srgbClr val="000000"/>
+              </a:buClr>
+              <a:buSzPct val="75000"/>
+              <a:buFont typeface="Symbol" charset="2"/>
+              <a:buChar char=""/>
+            </a:pPr>
+            <a:r>
+              <a:rPr b="0" lang="en-IE" sz="1800" spc="-1" strike="noStrike">
+                <a:latin typeface="Arial"/>
+              </a:rPr>
+              <a:t>Second Outline Level</a:t>
+            </a:r>
+            <a:endParaRPr b="0" lang="en-IE" sz="1800" spc="-1" strike="noStrike">
+              <a:latin typeface="Arial"/>
+            </a:endParaRPr>
+          </a:p>
+          <a:p>
+            <a:pPr lvl="2" marL="1296000" indent="-288000">
+              <a:spcBef>
+                <a:spcPts val="850"/>
+              </a:spcBef>
+              <a:buClr>
+                <a:srgbClr val="000000"/>
+              </a:buClr>
+              <a:buSzPct val="45000"/>
+              <a:buFont typeface="Wingdings" charset="2"/>
+              <a:buChar char=""/>
+            </a:pPr>
+            <a:r>
+              <a:rPr b="0" lang="en-IE" sz="1800" spc="-1" strike="noStrike">
+                <a:latin typeface="Arial"/>
+              </a:rPr>
+              <a:t>Third Outline Level</a:t>
+            </a:r>
+            <a:endParaRPr b="0" lang="en-IE" sz="1800" spc="-1" strike="noStrike">
+              <a:latin typeface="Arial"/>
+            </a:endParaRPr>
+          </a:p>
+          <a:p>
+            <a:pPr lvl="3" marL="1728000" indent="-216000">
+              <a:spcBef>
+                <a:spcPts val="567"/>
+              </a:spcBef>
+              <a:buClr>
+                <a:srgbClr val="000000"/>
+              </a:buClr>
+              <a:buSzPct val="75000"/>
+              <a:buFont typeface="Symbol" charset="2"/>
+              <a:buChar char=""/>
+            </a:pPr>
+            <a:r>
+              <a:rPr b="0" lang="en-IE" sz="1800" spc="-1" strike="noStrike">
+                <a:latin typeface="Arial"/>
+              </a:rPr>
+              <a:t>Fourth Outline Level</a:t>
+            </a:r>
+            <a:endParaRPr b="0" lang="en-IE" sz="1800" spc="-1" strike="noStrike">
+              <a:latin typeface="Arial"/>
+            </a:endParaRPr>
+          </a:p>
+          <a:p>
+            <a:pPr lvl="4" marL="2160000" indent="-216000">
+              <a:spcBef>
+                <a:spcPts val="283"/>
+              </a:spcBef>
+              <a:buClr>
+                <a:srgbClr val="000000"/>
+              </a:buClr>
+              <a:buSzPct val="45000"/>
+              <a:buFont typeface="Wingdings" charset="2"/>
+              <a:buChar char=""/>
+            </a:pPr>
+            <a:r>
+              <a:rPr b="0" lang="en-IE" sz="1800" spc="-1" strike="noStrike">
+                <a:latin typeface="Arial"/>
+              </a:rPr>
+              <a:t>Fifth Outline Level</a:t>
+            </a:r>
+            <a:endParaRPr b="0" lang="en-IE" sz="1800" spc="-1" strike="noStrike">
+              <a:latin typeface="Arial"/>
+            </a:endParaRPr>
+          </a:p>
+          <a:p>
+            <a:pPr lvl="5" marL="2592000" indent="-216000">
+              <a:spcBef>
+                <a:spcPts val="283"/>
+              </a:spcBef>
+              <a:buClr>
+                <a:srgbClr val="000000"/>
+              </a:buClr>
+              <a:buSzPct val="45000"/>
+              <a:buFont typeface="Wingdings" charset="2"/>
+              <a:buChar char=""/>
+            </a:pPr>
+            <a:r>
+              <a:rPr b="0" lang="en-IE" sz="1800" spc="-1" strike="noStrike">
+                <a:latin typeface="Arial"/>
+              </a:rPr>
+              <a:t>Sixth Outline Level</a:t>
+            </a:r>
+            <a:endParaRPr b="0" lang="en-IE" sz="1800" spc="-1" strike="noStrike">
+              <a:latin typeface="Arial"/>
+            </a:endParaRPr>
+          </a:p>
+          <a:p>
+            <a:pPr lvl="6" marL="3024000" indent="-216000">
+              <a:spcBef>
+                <a:spcPts val="283"/>
+              </a:spcBef>
+              <a:buClr>
+                <a:srgbClr val="000000"/>
+              </a:buClr>
+              <a:buSzPct val="45000"/>
+              <a:buFont typeface="Wingdings" charset="2"/>
+              <a:buChar char=""/>
+            </a:pPr>
+            <a:r>
+              <a:rPr b="0" lang="en-IE" sz="1800" spc="-1" strike="noStrike">
+                <a:latin typeface="Arial"/>
+              </a:rPr>
+              <a:t>Seventh Outline Level</a:t>
+            </a:r>
+            <a:endParaRPr b="0" lang="en-IE" sz="1800" spc="-1" strike="noStrike">
+              <a:latin typeface="Arial"/>
+            </a:endParaRPr>
+          </a:p>
+        </p:txBody>
+      </p:sp>
+      <p:sp>
+        <p:nvSpPr>
+          <p:cNvPr id="11" name="PlaceHolder 3"/>
+          <p:cNvSpPr>
+            <a:spLocks noGrp="1"/>
+          </p:cNvSpPr>
+          <p:nvPr>
             <p:ph type="ftr" idx="1"/>
           </p:nvPr>
         </p:nvSpPr>
         <p:spPr>
           <a:xfrm>
             <a:off x="1088280" y="6272640"/>
-            <a:ext cx="6327000" cy="364320"/>
+            <a:ext cx="6326640" cy="363960"/>
           </a:xfrm>
           <a:prstGeom prst="rect">
             <a:avLst/>
@@ -6168,7 +6475,7 @@
       </p:sp>
       <p:sp>
         <p:nvSpPr>
-          <p:cNvPr id="11" name="PlaceHolder 3"/>
+          <p:cNvPr id="12" name="PlaceHolder 4"/>
           <p:cNvSpPr>
             <a:spLocks noGrp="1"/>
           </p:cNvSpPr>
@@ -6179,7 +6486,7 @@
         <p:spPr>
           <a:xfrm>
             <a:off x="9592560" y="4289400"/>
-            <a:ext cx="1193040" cy="639360"/>
+            <a:ext cx="1192680" cy="639000"/>
           </a:xfrm>
           <a:prstGeom prst="rect">
             <a:avLst/>
@@ -6214,7 +6521,7 @@
               </a:lnSpc>
               <a:buNone/>
             </a:pPr>
-            <a:fld id="{7E258F58-1392-47E6-995A-FCC955BB6E06}" type="slidenum">
+            <a:fld id="{802B025A-FD62-458A-8A49-E178372AFFA3}" type="slidenum">
               <a:rPr b="1" lang="en-US" sz="2800" spc="-1" strike="noStrike">
                 <a:solidFill>
                   <a:srgbClr val="ffffff"/>
@@ -6231,7 +6538,7 @@
       </p:sp>
       <p:sp>
         <p:nvSpPr>
-          <p:cNvPr id="12" name="PlaceHolder 4"/>
+          <p:cNvPr id="13" name="PlaceHolder 5"/>
           <p:cNvSpPr>
             <a:spLocks noGrp="1"/>
           </p:cNvSpPr>
@@ -6242,7 +6549,7 @@
         <p:spPr>
           <a:xfrm>
             <a:off x="7964280" y="6272640"/>
-            <a:ext cx="3272760" cy="364320"/>
+            <a:ext cx="3272400" cy="363960"/>
           </a:xfrm>
           <a:prstGeom prst="rect">
             <a:avLst/>
@@ -6272,189 +6579,6 @@
             </a:r>
             <a:endParaRPr b="0" lang="en-IE" sz="1400" spc="-1" strike="noStrike">
               <a:latin typeface="Times New Roman"/>
-            </a:endParaRPr>
-          </a:p>
-        </p:txBody>
-      </p:sp>
-      <p:sp>
-        <p:nvSpPr>
-          <p:cNvPr id="13" name="PlaceHolder 5"/>
-          <p:cNvSpPr>
-            <a:spLocks noGrp="1"/>
-          </p:cNvSpPr>
-          <p:nvPr>
-            <p:ph type="body"/>
-          </p:nvPr>
-        </p:nvSpPr>
-        <p:spPr>
-          <a:xfrm>
-            <a:off x="609480" y="1604520"/>
-            <a:ext cx="10972440" cy="3977280"/>
-          </a:xfrm>
-          <a:prstGeom prst="rect">
-            <a:avLst/>
-          </a:prstGeom>
-          <a:noFill/>
-          <a:ln w="0">
-            <a:noFill/>
-          </a:ln>
-        </p:spPr>
-        <p:txBody>
-          <a:bodyPr lIns="0" rIns="0" tIns="0" bIns="0" anchor="t">
-            <a:normAutofit/>
-          </a:bodyPr>
-          <a:p>
-            <a:pPr marL="432000" indent="-324000">
-              <a:spcBef>
-                <a:spcPts val="1417"/>
-              </a:spcBef>
-              <a:buClr>
-                <a:srgbClr val="000000"/>
-              </a:buClr>
-              <a:buSzPct val="45000"/>
-              <a:buFont typeface="Wingdings" charset="2"/>
-              <a:buChar char=""/>
-            </a:pPr>
-            <a:r>
-              <a:rPr b="0" lang="en-IE" sz="3200" spc="-1" strike="noStrike">
-                <a:latin typeface="Arial"/>
-              </a:rPr>
-              <a:t>Click to edit the outline text format</a:t>
-            </a:r>
-            <a:endParaRPr b="0" lang="en-IE" sz="3200" spc="-1" strike="noStrike">
-              <a:latin typeface="Arial"/>
-            </a:endParaRPr>
-          </a:p>
-          <a:p>
-            <a:pPr lvl="1" marL="864000" indent="-324000">
-              <a:spcBef>
-                <a:spcPts val="1134"/>
-              </a:spcBef>
-              <a:buClr>
-                <a:srgbClr val="000000"/>
-              </a:buClr>
-              <a:buSzPct val="75000"/>
-              <a:buFont typeface="Symbol" charset="2"/>
-              <a:buChar char=""/>
-            </a:pPr>
-            <a:r>
-              <a:rPr b="0" lang="en-IE" sz="2800" spc="-1" strike="noStrike">
-                <a:latin typeface="Arial"/>
-              </a:rPr>
-              <a:t>Second Outline Level</a:t>
-            </a:r>
-            <a:endParaRPr b="0" lang="en-IE" sz="2800" spc="-1" strike="noStrike">
-              <a:latin typeface="Arial"/>
-            </a:endParaRPr>
-          </a:p>
-          <a:p>
-            <a:pPr lvl="2" marL="1296000" indent="-288000">
-              <a:spcBef>
-                <a:spcPts val="850"/>
-              </a:spcBef>
-              <a:buClr>
-                <a:srgbClr val="000000"/>
-              </a:buClr>
-              <a:buSzPct val="45000"/>
-              <a:buFont typeface="Wingdings" charset="2"/>
-              <a:buChar char=""/>
-            </a:pPr>
-            <a:r>
-              <a:rPr b="0" lang="en-IE" sz="2400" spc="-1" strike="noStrike">
-                <a:latin typeface="Arial"/>
-              </a:rPr>
-              <a:t>Third Outline Level</a:t>
-            </a:r>
-            <a:endParaRPr b="0" lang="en-IE" sz="2400" spc="-1" strike="noStrike">
-              <a:latin typeface="Arial"/>
-            </a:endParaRPr>
-          </a:p>
-          <a:p>
-            <a:pPr lvl="3" marL="1728000" indent="-216000">
-              <a:spcBef>
-                <a:spcPts val="567"/>
-              </a:spcBef>
-              <a:buClr>
-                <a:srgbClr val="000000"/>
-              </a:buClr>
-              <a:buSzPct val="75000"/>
-              <a:buFont typeface="Symbol" charset="2"/>
-              <a:buChar char=""/>
-            </a:pPr>
-            <a:r>
-              <a:rPr b="0" lang="en-IE" sz="2000" spc="-1" strike="noStrike">
-                <a:latin typeface="Arial"/>
-              </a:rPr>
-              <a:t>Fourth Outline Level</a:t>
-            </a:r>
-            <a:endParaRPr b="0" lang="en-IE" sz="2000" spc="-1" strike="noStrike">
-              <a:latin typeface="Arial"/>
-            </a:endParaRPr>
-          </a:p>
-          <a:p>
-            <a:pPr lvl="4" marL="2160000" indent="-216000">
-              <a:spcBef>
-                <a:spcPts val="283"/>
-              </a:spcBef>
-              <a:buClr>
-                <a:srgbClr val="000000"/>
-              </a:buClr>
-              <a:buSzPct val="45000"/>
-              <a:buFont typeface="Wingdings" charset="2"/>
-              <a:buChar char=""/>
-            </a:pPr>
-            <a:r>
-              <a:rPr b="0" lang="en-IE" sz="2000" spc="-1" strike="noStrike">
-                <a:latin typeface="Arial"/>
-              </a:rPr>
-              <a:t>Fifth Outline Level</a:t>
-            </a:r>
-            <a:endParaRPr b="0" lang="en-IE" sz="2000" spc="-1" strike="noStrike">
-              <a:latin typeface="Arial"/>
-            </a:endParaRPr>
-          </a:p>
-          <a:p>
-            <a:pPr lvl="5" marL="2592000" indent="-216000">
-              <a:spcBef>
-                <a:spcPts val="283"/>
-              </a:spcBef>
-              <a:buClr>
-                <a:srgbClr val="000000"/>
-              </a:buClr>
-              <a:buSzPct val="45000"/>
-              <a:buFont typeface="Wingdings" charset="2"/>
-              <a:buChar char=""/>
-            </a:pPr>
-            <a:r>
-              <a:rPr b="0" lang="en-IE" sz="2000" spc="-1" strike="noStrike">
-                <a:latin typeface="Arial"/>
-              </a:rPr>
-              <a:t>Sixth Outline Level</a:t>
-            </a:r>
-            <a:endParaRPr b="0" lang="en-IE" sz="2000" spc="-1" strike="noStrike">
-              <a:latin typeface="Arial"/>
-            </a:endParaRPr>
-          </a:p>
-          <a:p>
-            <a:pPr lvl="6" marL="3024000" indent="-216000">
-              <a:spcBef>
-                <a:spcPts val="283"/>
-              </a:spcBef>
-              <a:buClr>
-                <a:srgbClr val="000000"/>
-              </a:buClr>
-              <a:buSzPct val="45000"/>
-              <a:buFont typeface="Wingdings" charset="2"/>
-              <a:buChar char=""/>
-            </a:pPr>
-            <a:r>
-              <a:rPr b="0" lang="en-IE" sz="2000" spc="-1" strike="noStrike">
-                <a:latin typeface="Arial"/>
-              </a:rPr>
-              <a:t>Seventh Outline Level</a:t>
-            </a:r>
-            <a:endParaRPr b="0" lang="en-IE" sz="2000" spc="-1" strike="noStrike">
-              <a:latin typeface="Arial"/>
             </a:endParaRPr>
           </a:p>
         </p:txBody>
@@ -6512,9 +6636,9 @@
         <p:grpSpPr>
           <a:xfrm>
             <a:off x="11401560" y="6229800"/>
-            <a:ext cx="456480" cy="456480"/>
+            <a:ext cx="456120" cy="456120"/>
             <a:chOff x="11401560" y="6229800"/>
-            <a:chExt cx="456480" cy="456480"/>
+            <a:chExt cx="456120" cy="456120"/>
           </a:xfrm>
         </p:grpSpPr>
         <p:sp>
@@ -6526,7 +6650,7 @@
           <p:spPr>
             <a:xfrm>
               <a:off x="11401560" y="6229800"/>
-              <a:ext cx="456480" cy="456480"/>
+              <a:ext cx="456120" cy="456120"/>
             </a:xfrm>
             <a:prstGeom prst="ellipse">
               <a:avLst/>
@@ -6556,7 +6680,7 @@
           <p:spPr>
             <a:xfrm>
               <a:off x="11431080" y="6258960"/>
-              <a:ext cx="398160" cy="398160"/>
+              <a:ext cx="397800" cy="397800"/>
             </a:xfrm>
             <a:prstGeom prst="ellipse">
               <a:avLst/>
@@ -6590,7 +6714,7 @@
         <p:spPr>
           <a:xfrm>
             <a:off x="1088280" y="6272640"/>
-            <a:ext cx="6327000" cy="364320"/>
+            <a:ext cx="6326640" cy="363960"/>
           </a:xfrm>
           <a:prstGeom prst="rect">
             <a:avLst/>
@@ -6647,7 +6771,7 @@
         <p:spPr>
           <a:xfrm>
             <a:off x="11311200" y="6272640"/>
-            <a:ext cx="639360" cy="364320"/>
+            <a:ext cx="639000" cy="363960"/>
           </a:xfrm>
           <a:prstGeom prst="rect">
             <a:avLst/>
@@ -6682,7 +6806,7 @@
               </a:lnSpc>
               <a:buNone/>
             </a:pPr>
-            <a:fld id="{5A4F433C-A614-4769-8976-3179AB56038F}" type="slidenum">
+            <a:fld id="{D3EBF86E-35F5-419D-A505-D8D6AB440578}" type="slidenum">
               <a:rPr b="1" lang="en-US" sz="1400" spc="-1" strike="noStrike">
                 <a:solidFill>
                   <a:srgbClr val="ffffff"/>
@@ -6710,7 +6834,7 @@
         <p:spPr>
           <a:xfrm>
             <a:off x="7964280" y="6272640"/>
-            <a:ext cx="3272760" cy="364320"/>
+            <a:ext cx="3272400" cy="363960"/>
           </a:xfrm>
           <a:prstGeom prst="rect">
             <a:avLst/>
@@ -7020,7 +7144,7 @@
         <p:spPr>
           <a:xfrm>
             <a:off x="1051560" y="1432080"/>
-            <a:ext cx="9966240" cy="3035160"/>
+            <a:ext cx="9965880" cy="3034800"/>
           </a:xfrm>
           <a:prstGeom prst="rect">
             <a:avLst/>
@@ -7066,7 +7190,7 @@
         <p:spPr>
           <a:xfrm>
             <a:off x="1069920" y="4389120"/>
-            <a:ext cx="7890480" cy="1069200"/>
+            <a:ext cx="7890120" cy="1068840"/>
           </a:xfrm>
           <a:prstGeom prst="rect">
             <a:avLst/>
@@ -7179,7 +7303,7 @@
         <p:spPr>
           <a:xfrm>
             <a:off x="2715840" y="2384640"/>
-            <a:ext cx="10057680" cy="1608480"/>
+            <a:ext cx="10057320" cy="1608120"/>
           </a:xfrm>
           <a:prstGeom prst="rect">
             <a:avLst/>
@@ -7255,7 +7379,7 @@
         <p:spPr>
           <a:xfrm>
             <a:off x="1069920" y="484560"/>
-            <a:ext cx="10057680" cy="1608480"/>
+            <a:ext cx="10057320" cy="1608120"/>
           </a:xfrm>
           <a:prstGeom prst="rect">
             <a:avLst/>
@@ -7301,7 +7425,7 @@
         <p:spPr>
           <a:xfrm>
             <a:off x="1069920" y="2121480"/>
-            <a:ext cx="10057680" cy="4050000"/>
+            <a:ext cx="10057320" cy="4049640"/>
           </a:xfrm>
           <a:prstGeom prst="rect">
             <a:avLst/>
@@ -7680,7 +7804,7 @@
         <p:spPr>
           <a:xfrm>
             <a:off x="1069920" y="2121480"/>
-            <a:ext cx="10057680" cy="4050000"/>
+            <a:ext cx="10057320" cy="4049640"/>
           </a:xfrm>
           <a:prstGeom prst="rect">
             <a:avLst/>
@@ -7953,7 +8077,7 @@
         <p:spPr>
           <a:xfrm>
             <a:off x="1069920" y="484560"/>
-            <a:ext cx="10057680" cy="1608480"/>
+            <a:ext cx="10057320" cy="1608120"/>
           </a:xfrm>
           <a:prstGeom prst="rect">
             <a:avLst/>
@@ -7999,7 +8123,7 @@
         <p:spPr>
           <a:xfrm>
             <a:off x="1069920" y="1878120"/>
-            <a:ext cx="10057680" cy="2164680"/>
+            <a:ext cx="10057320" cy="2164320"/>
           </a:xfrm>
           <a:prstGeom prst="rect">
             <a:avLst/>
@@ -8181,7 +8305,7 @@
         <p:spPr>
           <a:xfrm>
             <a:off x="1063800" y="4422960"/>
-            <a:ext cx="8363160" cy="2009880"/>
+            <a:ext cx="8362800" cy="2009880"/>
           </a:xfrm>
           <a:prstGeom prst="rect">
             <a:avLst/>
@@ -8617,7 +8741,7 @@
         <p:spPr>
           <a:xfrm>
             <a:off x="1063800" y="3812400"/>
-            <a:ext cx="3859920" cy="363960"/>
+            <a:ext cx="3859560" cy="363960"/>
           </a:xfrm>
           <a:prstGeom prst="rect">
             <a:avLst/>
@@ -8703,7 +8827,7 @@
         <p:spPr>
           <a:xfrm>
             <a:off x="1069920" y="484560"/>
-            <a:ext cx="10057680" cy="1209240"/>
+            <a:ext cx="10057320" cy="1208880"/>
           </a:xfrm>
           <a:prstGeom prst="rect">
             <a:avLst/>
@@ -8749,7 +8873,7 @@
         <p:spPr>
           <a:xfrm>
             <a:off x="1069920" y="2121480"/>
-            <a:ext cx="10057680" cy="4050000"/>
+            <a:ext cx="10057320" cy="4049640"/>
           </a:xfrm>
           <a:prstGeom prst="rect">
             <a:avLst/>
@@ -9083,7 +9207,7 @@
         <p:spPr>
           <a:xfrm>
             <a:off x="1069920" y="484560"/>
-            <a:ext cx="10057680" cy="1608480"/>
+            <a:ext cx="10057320" cy="1608120"/>
           </a:xfrm>
           <a:prstGeom prst="rect">
             <a:avLst/>
@@ -9125,7 +9249,7 @@
         <p:spPr>
           <a:xfrm>
             <a:off x="5883480" y="1566000"/>
-            <a:ext cx="5407920" cy="4478760"/>
+            <a:ext cx="5407560" cy="4478760"/>
           </a:xfrm>
           <a:prstGeom prst="rect">
             <a:avLst/>
@@ -9821,7 +9945,7 @@
         <p:spPr>
           <a:xfrm>
             <a:off x="974880" y="1843920"/>
-            <a:ext cx="4528080" cy="1735560"/>
+            <a:ext cx="4527720" cy="1735560"/>
           </a:xfrm>
           <a:prstGeom prst="rect">
             <a:avLst/>
@@ -10032,7 +10156,7 @@
         <p:spPr>
           <a:xfrm>
             <a:off x="1069920" y="484560"/>
-            <a:ext cx="10057680" cy="1608480"/>
+            <a:ext cx="10057320" cy="1608120"/>
           </a:xfrm>
           <a:prstGeom prst="rect">
             <a:avLst/>
@@ -10074,7 +10198,7 @@
         <p:spPr>
           <a:xfrm>
             <a:off x="1147320" y="1609200"/>
-            <a:ext cx="5407920" cy="2832840"/>
+            <a:ext cx="5407560" cy="2832840"/>
           </a:xfrm>
           <a:prstGeom prst="rect">
             <a:avLst/>
@@ -10713,7 +10837,7 @@
         <p:spPr>
           <a:xfrm>
             <a:off x="1069920" y="484560"/>
-            <a:ext cx="10057680" cy="1608480"/>
+            <a:ext cx="10057320" cy="1608120"/>
           </a:xfrm>
           <a:prstGeom prst="rect">
             <a:avLst/>
@@ -10755,7 +10879,7 @@
         <p:spPr>
           <a:xfrm>
             <a:off x="2156760" y="2635920"/>
-            <a:ext cx="5407920" cy="1735560"/>
+            <a:ext cx="5407560" cy="1735560"/>
           </a:xfrm>
           <a:prstGeom prst="rect">
             <a:avLst/>
@@ -11199,7 +11323,7 @@
         <p:spPr>
           <a:xfrm>
             <a:off x="1069920" y="484560"/>
-            <a:ext cx="10057680" cy="1608480"/>
+            <a:ext cx="10057320" cy="1608120"/>
           </a:xfrm>
           <a:prstGeom prst="rect">
             <a:avLst/>
@@ -11245,7 +11369,7 @@
         <p:spPr>
           <a:xfrm>
             <a:off x="797040" y="1836720"/>
-            <a:ext cx="10057680" cy="973440"/>
+            <a:ext cx="10057320" cy="973080"/>
           </a:xfrm>
           <a:prstGeom prst="rect">
             <a:avLst/>
@@ -11335,7 +11459,7 @@
         <p:spPr>
           <a:xfrm>
             <a:off x="797040" y="2919240"/>
-            <a:ext cx="10435320" cy="3592080"/>
+            <a:ext cx="10434960" cy="3592080"/>
           </a:xfrm>
           <a:prstGeom prst="rect">
             <a:avLst/>
